--- a/wood_construction.pptx
+++ b/wood_construction.pptx
@@ -5,12 +5,13 @@
     <p:sldMasterId id="2147483648" r:id="rId1"/>
   </p:sldMasterIdLst>
   <p:notesMasterIdLst>
-    <p:notesMasterId r:id="rId5"/>
+    <p:notesMasterId r:id="rId6"/>
   </p:notesMasterIdLst>
   <p:sldIdLst>
     <p:sldId id="261" r:id="rId2"/>
     <p:sldId id="262" r:id="rId3"/>
-    <p:sldId id="263" r:id="rId4"/>
+    <p:sldId id="264" r:id="rId4"/>
+    <p:sldId id="263" r:id="rId5"/>
   </p:sldIdLst>
   <p:sldSz cx="12192000" cy="6858000"/>
   <p:notesSz cx="6858000" cy="9144000"/>
@@ -199,7 +200,7 @@
           <a:p>
             <a:fld id="{D2843BDE-B8C0-934E-9704-CBA3B88C1FB8}" type="datetimeFigureOut">
               <a:rPr lang="en-US" smtClean="0"/>
-              <a:t>9/16/24</a:t>
+              <a:t>9/21/24</a:t>
             </a:fld>
             <a:endParaRPr lang="en-US"/>
           </a:p>
@@ -639,6 +640,114 @@
   <p:cSld>
     <p:spTree>
       <p:nvGrpSpPr>
+        <p:cNvPr id="1" name="">
+          <a:extLst>
+            <a:ext uri="{FF2B5EF4-FFF2-40B4-BE49-F238E27FC236}">
+              <a16:creationId xmlns:a16="http://schemas.microsoft.com/office/drawing/2014/main" id="{9DA8EF0D-5E8B-896F-9A83-82A683E8EAC8}"/>
+            </a:ext>
+          </a:extLst>
+        </p:cNvPr>
+        <p:cNvGrpSpPr/>
+        <p:nvPr/>
+      </p:nvGrpSpPr>
+      <p:grpSpPr>
+        <a:xfrm>
+          <a:off x="0" y="0"/>
+          <a:ext cx="0" cy="0"/>
+          <a:chOff x="0" y="0"/>
+          <a:chExt cx="0" cy="0"/>
+        </a:xfrm>
+      </p:grpSpPr>
+      <p:sp>
+        <p:nvSpPr>
+          <p:cNvPr id="2" name="Slide Image Placeholder 1">
+            <a:extLst>
+              <a:ext uri="{FF2B5EF4-FFF2-40B4-BE49-F238E27FC236}">
+                <a16:creationId xmlns:a16="http://schemas.microsoft.com/office/drawing/2014/main" id="{D30649D4-1507-4248-4DD8-40FC65620D83}"/>
+              </a:ext>
+            </a:extLst>
+          </p:cNvPr>
+          <p:cNvSpPr>
+            <a:spLocks noGrp="1" noRot="1" noChangeAspect="1"/>
+          </p:cNvSpPr>
+          <p:nvPr>
+            <p:ph type="sldImg"/>
+          </p:nvPr>
+        </p:nvSpPr>
+        <p:spPr/>
+      </p:sp>
+      <p:sp>
+        <p:nvSpPr>
+          <p:cNvPr id="3" name="Notes Placeholder 2">
+            <a:extLst>
+              <a:ext uri="{FF2B5EF4-FFF2-40B4-BE49-F238E27FC236}">
+                <a16:creationId xmlns:a16="http://schemas.microsoft.com/office/drawing/2014/main" id="{071AFE82-046E-EEE4-0DBE-6EF79F663F56}"/>
+              </a:ext>
+            </a:extLst>
+          </p:cNvPr>
+          <p:cNvSpPr>
+            <a:spLocks noGrp="1"/>
+          </p:cNvSpPr>
+          <p:nvPr>
+            <p:ph type="body" idx="1"/>
+          </p:nvPr>
+        </p:nvSpPr>
+        <p:spPr/>
+        <p:txBody>
+          <a:bodyPr/>
+          <a:lstStyle/>
+          <a:p>
+            <a:endParaRPr lang="en-US" dirty="0"/>
+          </a:p>
+        </p:txBody>
+      </p:sp>
+      <p:sp>
+        <p:nvSpPr>
+          <p:cNvPr id="4" name="Slide Number Placeholder 3">
+            <a:extLst>
+              <a:ext uri="{FF2B5EF4-FFF2-40B4-BE49-F238E27FC236}">
+                <a16:creationId xmlns:a16="http://schemas.microsoft.com/office/drawing/2014/main" id="{A5A80371-3DE6-F633-C4FE-3F80A9907E97}"/>
+              </a:ext>
+            </a:extLst>
+          </p:cNvPr>
+          <p:cNvSpPr>
+            <a:spLocks noGrp="1"/>
+          </p:cNvSpPr>
+          <p:nvPr>
+            <p:ph type="sldNum" sz="quarter" idx="5"/>
+          </p:nvPr>
+        </p:nvSpPr>
+        <p:spPr/>
+        <p:txBody>
+          <a:bodyPr/>
+          <a:lstStyle/>
+          <a:p>
+            <a:fld id="{BA8B91EE-EA77-074C-ABDE-BAE6359B4E98}" type="slidenum">
+              <a:rPr lang="en-US" smtClean="0"/>
+              <a:t>3</a:t>
+            </a:fld>
+            <a:endParaRPr lang="en-US"/>
+          </a:p>
+        </p:txBody>
+      </p:sp>
+    </p:spTree>
+    <p:extLst>
+      <p:ext uri="{BB962C8B-B14F-4D97-AF65-F5344CB8AC3E}">
+        <p14:creationId xmlns:p14="http://schemas.microsoft.com/office/powerpoint/2010/main" val="423788455"/>
+      </p:ext>
+    </p:extLst>
+  </p:cSld>
+  <p:clrMapOvr>
+    <a:masterClrMapping/>
+  </p:clrMapOvr>
+</p:notes>
+</file>
+
+<file path=ppt/notesSlides/notesSlide4.xml><?xml version="1.0" encoding="utf-8"?>
+<p:notes xmlns:a="http://schemas.openxmlformats.org/drawingml/2006/main" xmlns:r="http://schemas.openxmlformats.org/officeDocument/2006/relationships" xmlns:p="http://schemas.openxmlformats.org/presentationml/2006/main">
+  <p:cSld>
+    <p:spTree>
+      <p:nvGrpSpPr>
         <p:cNvPr id="1" name=""/>
         <p:cNvGrpSpPr/>
         <p:nvPr/>
@@ -699,7 +808,7 @@
           <a:p>
             <a:fld id="{BA8B91EE-EA77-074C-ABDE-BAE6359B4E98}" type="slidenum">
               <a:rPr lang="en-US" smtClean="0"/>
-              <a:t>3</a:t>
+              <a:t>4</a:t>
             </a:fld>
             <a:endParaRPr lang="en-US"/>
           </a:p>
@@ -864,7 +973,7 @@
           <a:lstStyle/>
           <a:p>
             <a:fld id="{5F491023-0B0A-7041-9F06-D25A50EF063B}" type="datetimeFigureOut">
-              <a:t>9/16/24</a:t>
+              <a:t>9/21/24</a:t>
             </a:fld>
             <a:endParaRPr lang="en-US"/>
           </a:p>
@@ -1060,7 +1169,7 @@
           <a:lstStyle/>
           <a:p>
             <a:fld id="{5F491023-0B0A-7041-9F06-D25A50EF063B}" type="datetimeFigureOut">
-              <a:t>9/16/24</a:t>
+              <a:t>9/21/24</a:t>
             </a:fld>
             <a:endParaRPr lang="en-US"/>
           </a:p>
@@ -1266,7 +1375,7 @@
           <a:lstStyle/>
           <a:p>
             <a:fld id="{5F491023-0B0A-7041-9F06-D25A50EF063B}" type="datetimeFigureOut">
-              <a:t>9/16/24</a:t>
+              <a:t>9/21/24</a:t>
             </a:fld>
             <a:endParaRPr lang="en-US"/>
           </a:p>
@@ -1462,7 +1571,7 @@
           <a:lstStyle/>
           <a:p>
             <a:fld id="{5F491023-0B0A-7041-9F06-D25A50EF063B}" type="datetimeFigureOut">
-              <a:t>9/16/24</a:t>
+              <a:t>9/21/24</a:t>
             </a:fld>
             <a:endParaRPr lang="en-US"/>
           </a:p>
@@ -1735,7 +1844,7 @@
           <a:lstStyle/>
           <a:p>
             <a:fld id="{5F491023-0B0A-7041-9F06-D25A50EF063B}" type="datetimeFigureOut">
-              <a:t>9/16/24</a:t>
+              <a:t>9/21/24</a:t>
             </a:fld>
             <a:endParaRPr lang="en-US"/>
           </a:p>
@@ -1998,7 +2107,7 @@
           <a:lstStyle/>
           <a:p>
             <a:fld id="{5F491023-0B0A-7041-9F06-D25A50EF063B}" type="datetimeFigureOut">
-              <a:t>9/16/24</a:t>
+              <a:t>9/21/24</a:t>
             </a:fld>
             <a:endParaRPr lang="en-US"/>
           </a:p>
@@ -2408,7 +2517,7 @@
           <a:lstStyle/>
           <a:p>
             <a:fld id="{5F491023-0B0A-7041-9F06-D25A50EF063B}" type="datetimeFigureOut">
-              <a:t>9/16/24</a:t>
+              <a:t>9/21/24</a:t>
             </a:fld>
             <a:endParaRPr lang="en-US"/>
           </a:p>
@@ -2547,7 +2656,7 @@
           <a:lstStyle/>
           <a:p>
             <a:fld id="{5F491023-0B0A-7041-9F06-D25A50EF063B}" type="datetimeFigureOut">
-              <a:t>9/16/24</a:t>
+              <a:t>9/21/24</a:t>
             </a:fld>
             <a:endParaRPr lang="en-US"/>
           </a:p>
@@ -2658,7 +2767,7 @@
           <a:lstStyle/>
           <a:p>
             <a:fld id="{5F491023-0B0A-7041-9F06-D25A50EF063B}" type="datetimeFigureOut">
-              <a:t>9/16/24</a:t>
+              <a:t>9/21/24</a:t>
             </a:fld>
             <a:endParaRPr lang="en-US"/>
           </a:p>
@@ -2967,7 +3076,7 @@
           <a:lstStyle/>
           <a:p>
             <a:fld id="{5F491023-0B0A-7041-9F06-D25A50EF063B}" type="datetimeFigureOut">
-              <a:t>9/16/24</a:t>
+              <a:t>9/21/24</a:t>
             </a:fld>
             <a:endParaRPr lang="en-US"/>
           </a:p>
@@ -3253,7 +3362,7 @@
           <a:lstStyle/>
           <a:p>
             <a:fld id="{5F491023-0B0A-7041-9F06-D25A50EF063B}" type="datetimeFigureOut">
-              <a:t>9/16/24</a:t>
+              <a:t>9/21/24</a:t>
             </a:fld>
             <a:endParaRPr lang="en-US"/>
           </a:p>
@@ -3492,7 +3601,7 @@
           </a:lstStyle>
           <a:p>
             <a:fld id="{5F491023-0B0A-7041-9F06-D25A50EF063B}" type="datetimeFigureOut">
-              <a:t>9/16/24</a:t>
+              <a:t>9/21/24</a:t>
             </a:fld>
             <a:endParaRPr lang="en-US"/>
           </a:p>
@@ -4131,7 +4240,7 @@
         <p:spPr>
           <a:xfrm>
             <a:off x="163287" y="889000"/>
-            <a:ext cx="5136244" cy="1815882"/>
+            <a:ext cx="4919441" cy="1508105"/>
           </a:xfrm>
           <a:prstGeom prst="rect">
             <a:avLst/>
@@ -4145,28 +4254,28 @@
           <a:lstStyle/>
           <a:p>
             <a:r>
-              <a:rPr lang="en-US" dirty="0"/>
+              <a:rPr lang="en-US" sz="1400" dirty="0"/>
               <a:t>Length 3 inch</a:t>
             </a:r>
           </a:p>
           <a:p>
             <a:r>
-              <a:rPr lang="en-US" dirty="0"/>
-              <a:t>Diam = 3/16" (this is called #10)</a:t>
-            </a:r>
-          </a:p>
-          <a:p>
-            <a:r>
-              <a:rPr lang="en-US" dirty="0"/>
+              <a:rPr lang="en-US" sz="1400" dirty="0"/>
+              <a:t>Diam = 3/16" (this is called #10 or gauge 10)</a:t>
+            </a:r>
+          </a:p>
+          <a:p>
+            <a:r>
+              <a:rPr lang="en-US" sz="1400" dirty="0"/>
               <a:t>Threads Per Inch = TPI = 9</a:t>
             </a:r>
           </a:p>
           <a:p>
-            <a:endParaRPr lang="en-US" dirty="0"/>
-          </a:p>
-          <a:p>
-            <a:r>
-              <a:rPr lang="en-US" dirty="0"/>
+            <a:endParaRPr lang="en-US" sz="1400" dirty="0"/>
+          </a:p>
+          <a:p>
+            <a:r>
+              <a:rPr lang="en-US" sz="1400" dirty="0"/>
               <a:t>tip notch: </a:t>
             </a:r>
           </a:p>
@@ -4336,8 +4445,8 @@
         </p:blipFill>
         <p:spPr>
           <a:xfrm>
-            <a:off x="8853713" y="3278670"/>
-            <a:ext cx="3175000" cy="2603500"/>
+            <a:off x="9476509" y="4597616"/>
+            <a:ext cx="2636594" cy="2162007"/>
           </a:xfrm>
           <a:prstGeom prst="rect">
             <a:avLst/>
@@ -4371,8 +4480,8 @@
         </p:blipFill>
         <p:spPr>
           <a:xfrm>
-            <a:off x="8498113" y="141514"/>
-            <a:ext cx="3530600" cy="2844800"/>
+            <a:off x="9476509" y="2451216"/>
+            <a:ext cx="2636594" cy="2124450"/>
           </a:xfrm>
           <a:prstGeom prst="rect">
             <a:avLst/>
@@ -4393,8 +4502,8 @@
         </p:nvSpPr>
         <p:spPr>
           <a:xfrm>
-            <a:off x="5638687" y="3278670"/>
-            <a:ext cx="3086355" cy="1569660"/>
+            <a:off x="5082728" y="1895910"/>
+            <a:ext cx="3086355" cy="830997"/>
           </a:xfrm>
           <a:prstGeom prst="rect">
             <a:avLst/>
@@ -4406,12 +4515,6 @@
             <a:spAutoFit/>
           </a:bodyPr>
           <a:lstStyle/>
-          <a:p>
-            <a:r>
-              <a:rPr lang="en-US" sz="1400" dirty="0"/>
-              <a:t>Requires</a:t>
-            </a:r>
-          </a:p>
           <a:p>
             <a:r>
               <a:rPr lang="en-US" sz="1400" b="0" i="0" dirty="0">
@@ -4448,9 +4551,6 @@
               </a:rPr>
               <a:t>https://www.amazon.com/gp/product/B0D3Q4276R</a:t>
             </a:r>
-            <a:endParaRPr lang="en-US" sz="1000" dirty="0"/>
-          </a:p>
-          <a:p>
             <a:endParaRPr lang="en-US" sz="1400" dirty="0"/>
           </a:p>
           <a:p>
@@ -4464,38 +4564,8 @@
               <a:rPr lang="en-US" sz="1000" dirty="0">
                 <a:hlinkClick r:id="rId10"/>
               </a:rPr>
-              <a:t>https://</a:t>
-            </a:r>
-            <a:r>
-              <a:rPr lang="en-US" sz="1000" dirty="0" err="1">
-                <a:hlinkClick r:id="rId10"/>
-              </a:rPr>
-              <a:t>www.amazon.com</a:t>
-            </a:r>
-            <a:r>
-              <a:rPr lang="en-US" sz="1000" dirty="0">
-                <a:hlinkClick r:id="rId10"/>
-              </a:rPr>
-              <a:t>/</a:t>
-            </a:r>
-            <a:r>
-              <a:rPr lang="en-US" sz="1000" dirty="0" err="1">
-                <a:hlinkClick r:id="rId10"/>
-              </a:rPr>
-              <a:t>dp</a:t>
-            </a:r>
-            <a:r>
-              <a:rPr lang="en-US" sz="1000" dirty="0">
-                <a:hlinkClick r:id="rId10"/>
-              </a:rPr>
-              <a:t>/B07BX5SHKW</a:t>
-            </a:r>
-            <a:endParaRPr lang="en-US" sz="1000" dirty="0"/>
-          </a:p>
-          <a:p>
-            <a:endParaRPr lang="en-US" sz="1000" dirty="0"/>
-          </a:p>
-          <a:p>
+              <a:t>https://www.amazon.com/dp/B07BX5SHKW</a:t>
+            </a:r>
             <a:endParaRPr lang="en-US" sz="1000" dirty="0"/>
           </a:p>
         </p:txBody>
@@ -4529,8 +4599,8 @@
         </p:blipFill>
         <p:spPr bwMode="auto">
           <a:xfrm>
-            <a:off x="5749471" y="634500"/>
-            <a:ext cx="2286000" cy="2286000"/>
+            <a:off x="4220674" y="83538"/>
+            <a:ext cx="1806356" cy="1806356"/>
           </a:xfrm>
           <a:prstGeom prst="rect">
             <a:avLst/>
@@ -4575,14 +4645,167 @@
         </p:blipFill>
         <p:spPr>
           <a:xfrm>
-            <a:off x="5638687" y="4848330"/>
-            <a:ext cx="2720222" cy="1806356"/>
+            <a:off x="6115865" y="83538"/>
+            <a:ext cx="2252671" cy="1495880"/>
           </a:xfrm>
           <a:prstGeom prst="rect">
             <a:avLst/>
           </a:prstGeom>
         </p:spPr>
       </p:pic>
+      <p:pic>
+        <p:nvPicPr>
+          <p:cNvPr id="11" name="Picture 10">
+            <a:extLst>
+              <a:ext uri="{FF2B5EF4-FFF2-40B4-BE49-F238E27FC236}">
+                <a16:creationId xmlns:a16="http://schemas.microsoft.com/office/drawing/2014/main" id="{9EC1CCD9-6548-2500-CC18-3EC93A38B64C}"/>
+              </a:ext>
+            </a:extLst>
+          </p:cNvPr>
+          <p:cNvPicPr>
+            <a:picLocks noChangeAspect="1"/>
+          </p:cNvPicPr>
+          <p:nvPr/>
+        </p:nvPicPr>
+        <p:blipFill>
+          <a:blip r:embed="rId13"/>
+          <a:stretch>
+            <a:fillRect/>
+          </a:stretch>
+        </p:blipFill>
+        <p:spPr>
+          <a:xfrm>
+            <a:off x="9438943" y="449415"/>
+            <a:ext cx="2674159" cy="1947689"/>
+          </a:xfrm>
+          <a:prstGeom prst="rect">
+            <a:avLst/>
+          </a:prstGeom>
+        </p:spPr>
+      </p:pic>
+      <p:sp>
+        <p:nvSpPr>
+          <p:cNvPr id="12" name="TextBox 11">
+            <a:extLst>
+              <a:ext uri="{FF2B5EF4-FFF2-40B4-BE49-F238E27FC236}">
+                <a16:creationId xmlns:a16="http://schemas.microsoft.com/office/drawing/2014/main" id="{9A10AA8C-9100-3792-DB03-45C920B65496}"/>
+              </a:ext>
+            </a:extLst>
+          </p:cNvPr>
+          <p:cNvSpPr txBox="1"/>
+          <p:nvPr/>
+        </p:nvSpPr>
+        <p:spPr>
+          <a:xfrm>
+            <a:off x="8887809" y="1409581"/>
+            <a:ext cx="588698" cy="307777"/>
+          </a:xfrm>
+          <a:prstGeom prst="rect">
+            <a:avLst/>
+          </a:prstGeom>
+          <a:noFill/>
+        </p:spPr>
+        <p:txBody>
+          <a:bodyPr wrap="square" rtlCol="0">
+            <a:spAutoFit/>
+          </a:bodyPr>
+          <a:lstStyle/>
+          <a:p>
+            <a:r>
+              <a:rPr lang="en-US" sz="1400" b="0" i="0" dirty="0">
+                <a:solidFill>
+                  <a:srgbClr val="0F1111"/>
+                </a:solidFill>
+                <a:effectLst/>
+              </a:rPr>
+              <a:t>#10</a:t>
+            </a:r>
+            <a:endParaRPr lang="en-US" sz="1000" dirty="0"/>
+          </a:p>
+        </p:txBody>
+      </p:sp>
+      <p:sp>
+        <p:nvSpPr>
+          <p:cNvPr id="13" name="TextBox 12">
+            <a:extLst>
+              <a:ext uri="{FF2B5EF4-FFF2-40B4-BE49-F238E27FC236}">
+                <a16:creationId xmlns:a16="http://schemas.microsoft.com/office/drawing/2014/main" id="{1A296A96-8260-24F1-0CCA-014FFC7B23A9}"/>
+              </a:ext>
+            </a:extLst>
+          </p:cNvPr>
+          <p:cNvSpPr txBox="1"/>
+          <p:nvPr/>
+        </p:nvSpPr>
+        <p:spPr>
+          <a:xfrm>
+            <a:off x="8887809" y="3537359"/>
+            <a:ext cx="588698" cy="307777"/>
+          </a:xfrm>
+          <a:prstGeom prst="rect">
+            <a:avLst/>
+          </a:prstGeom>
+          <a:noFill/>
+        </p:spPr>
+        <p:txBody>
+          <a:bodyPr wrap="square" rtlCol="0">
+            <a:spAutoFit/>
+          </a:bodyPr>
+          <a:lstStyle/>
+          <a:p>
+            <a:r>
+              <a:rPr lang="en-US" sz="1400" b="0" i="0" dirty="0">
+                <a:solidFill>
+                  <a:srgbClr val="0F1111"/>
+                </a:solidFill>
+                <a:effectLst/>
+              </a:rPr>
+              <a:t>#9</a:t>
+            </a:r>
+            <a:endParaRPr lang="en-US" sz="1000" dirty="0"/>
+          </a:p>
+        </p:txBody>
+      </p:sp>
+      <p:sp>
+        <p:nvSpPr>
+          <p:cNvPr id="14" name="TextBox 13">
+            <a:extLst>
+              <a:ext uri="{FF2B5EF4-FFF2-40B4-BE49-F238E27FC236}">
+                <a16:creationId xmlns:a16="http://schemas.microsoft.com/office/drawing/2014/main" id="{D8330DF6-D6B5-C9BC-6F66-0C2C7CC178B5}"/>
+              </a:ext>
+            </a:extLst>
+          </p:cNvPr>
+          <p:cNvSpPr txBox="1"/>
+          <p:nvPr/>
+        </p:nvSpPr>
+        <p:spPr>
+          <a:xfrm>
+            <a:off x="8887809" y="5800446"/>
+            <a:ext cx="588698" cy="307777"/>
+          </a:xfrm>
+          <a:prstGeom prst="rect">
+            <a:avLst/>
+          </a:prstGeom>
+          <a:noFill/>
+        </p:spPr>
+        <p:txBody>
+          <a:bodyPr wrap="square" rtlCol="0">
+            <a:spAutoFit/>
+          </a:bodyPr>
+          <a:lstStyle/>
+          <a:p>
+            <a:r>
+              <a:rPr lang="en-US" sz="1400" b="0" i="0" dirty="0">
+                <a:solidFill>
+                  <a:srgbClr val="0F1111"/>
+                </a:solidFill>
+                <a:effectLst/>
+              </a:rPr>
+              <a:t>#8</a:t>
+            </a:r>
+            <a:endParaRPr lang="en-US" sz="1000" dirty="0"/>
+          </a:p>
+        </p:txBody>
+      </p:sp>
     </p:spTree>
     <p:extLst>
       <p:ext uri="{BB962C8B-B14F-4D97-AF65-F5344CB8AC3E}">
@@ -4597,6 +4820,89 @@
 </file>
 
 <file path=ppt/slides/slide3.xml><?xml version="1.0" encoding="utf-8"?>
+<p:sld xmlns:a="http://schemas.openxmlformats.org/drawingml/2006/main" xmlns:r="http://schemas.openxmlformats.org/officeDocument/2006/relationships" xmlns:p="http://schemas.openxmlformats.org/presentationml/2006/main">
+  <p:cSld>
+    <p:spTree>
+      <p:nvGrpSpPr>
+        <p:cNvPr id="1" name="">
+          <a:extLst>
+            <a:ext uri="{FF2B5EF4-FFF2-40B4-BE49-F238E27FC236}">
+              <a16:creationId xmlns:a16="http://schemas.microsoft.com/office/drawing/2014/main" id="{07502527-C336-3738-26BD-D16957AB60EB}"/>
+            </a:ext>
+          </a:extLst>
+        </p:cNvPr>
+        <p:cNvGrpSpPr/>
+        <p:nvPr/>
+      </p:nvGrpSpPr>
+      <p:grpSpPr>
+        <a:xfrm>
+          <a:off x="0" y="0"/>
+          <a:ext cx="0" cy="0"/>
+          <a:chOff x="0" y="0"/>
+          <a:chExt cx="0" cy="0"/>
+        </a:xfrm>
+      </p:grpSpPr>
+      <p:pic>
+        <p:nvPicPr>
+          <p:cNvPr id="15" name="Picture 2" descr="r/woodworking - Wood Magazine's Screw Chart (Traditional Wood &amp; Production Screws)">
+            <a:extLst>
+              <a:ext uri="{FF2B5EF4-FFF2-40B4-BE49-F238E27FC236}">
+                <a16:creationId xmlns:a16="http://schemas.microsoft.com/office/drawing/2014/main" id="{E4AD5ADA-FB8A-CE9F-2A7D-FCFF13CFF237}"/>
+              </a:ext>
+            </a:extLst>
+          </p:cNvPr>
+          <p:cNvPicPr>
+            <a:picLocks noChangeAspect="1" noChangeArrowheads="1"/>
+          </p:cNvPicPr>
+          <p:nvPr/>
+        </p:nvPicPr>
+        <p:blipFill>
+          <a:blip r:embed="rId3">
+            <a:extLst>
+              <a:ext uri="{28A0092B-C50C-407E-A947-70E740481C1C}">
+                <a14:useLocalDpi xmlns:a14="http://schemas.microsoft.com/office/drawing/2010/main" val="0"/>
+              </a:ext>
+            </a:extLst>
+          </a:blip>
+          <a:srcRect/>
+          <a:stretch>
+            <a:fillRect/>
+          </a:stretch>
+        </p:blipFill>
+        <p:spPr bwMode="auto">
+          <a:xfrm>
+            <a:off x="1638270" y="381000"/>
+            <a:ext cx="8128000" cy="6096000"/>
+          </a:xfrm>
+          <a:prstGeom prst="rect">
+            <a:avLst/>
+          </a:prstGeom>
+          <a:noFill/>
+          <a:extLst>
+            <a:ext uri="{909E8E84-426E-40DD-AFC4-6F175D3DCCD1}">
+              <a14:hiddenFill xmlns:a14="http://schemas.microsoft.com/office/drawing/2010/main">
+                <a:solidFill>
+                  <a:srgbClr val="FFFFFF"/>
+                </a:solidFill>
+              </a14:hiddenFill>
+            </a:ext>
+          </a:extLst>
+        </p:spPr>
+      </p:pic>
+    </p:spTree>
+    <p:extLst>
+      <p:ext uri="{BB962C8B-B14F-4D97-AF65-F5344CB8AC3E}">
+        <p14:creationId xmlns:p14="http://schemas.microsoft.com/office/powerpoint/2010/main" val="1054674990"/>
+      </p:ext>
+    </p:extLst>
+  </p:cSld>
+  <p:clrMapOvr>
+    <a:masterClrMapping/>
+  </p:clrMapOvr>
+</p:sld>
+</file>
+
+<file path=ppt/slides/slide4.xml><?xml version="1.0" encoding="utf-8"?>
 <p:sld xmlns:a="http://schemas.openxmlformats.org/drawingml/2006/main" xmlns:r="http://schemas.openxmlformats.org/officeDocument/2006/relationships" xmlns:p="http://schemas.openxmlformats.org/presentationml/2006/main">
   <p:cSld>
     <p:spTree>
